--- a/media/vaast-keyboard.pptx
+++ b/media/vaast-keyboard.pptx
@@ -104,6 +104,11 @@
       </a:defRPr>
     </a:lvl9pPr>
   </p:defaultTextStyle>
+  <p:extLst>
+    <p:ext uri="{EFAFB233-063F-42B5-8137-9DF3F51BA10A}">
+      <p15:sldGuideLst xmlns:p15="http://schemas.microsoft.com/office/powerpoint/2012/main"/>
+    </p:ext>
+  </p:extLst>
 </p:presentation>
 </file>
 
@@ -254,7 +259,7 @@
           <a:p>
             <a:fld id="{A3F3EA1E-F417-43FF-B8E8-49A1DF7D9404}" type="datetimeFigureOut">
               <a:rPr lang="fr-FR" smtClean="0"/>
-              <a:t>05/03/2018</a:t>
+              <a:t>11/06/2018</a:t>
             </a:fld>
             <a:endParaRPr lang="fr-FR"/>
           </a:p>
@@ -452,7 +457,7 @@
           <a:p>
             <a:fld id="{A3F3EA1E-F417-43FF-B8E8-49A1DF7D9404}" type="datetimeFigureOut">
               <a:rPr lang="fr-FR" smtClean="0"/>
-              <a:t>05/03/2018</a:t>
+              <a:t>11/06/2018</a:t>
             </a:fld>
             <a:endParaRPr lang="fr-FR"/>
           </a:p>
@@ -660,7 +665,7 @@
           <a:p>
             <a:fld id="{A3F3EA1E-F417-43FF-B8E8-49A1DF7D9404}" type="datetimeFigureOut">
               <a:rPr lang="fr-FR" smtClean="0"/>
-              <a:t>05/03/2018</a:t>
+              <a:t>11/06/2018</a:t>
             </a:fld>
             <a:endParaRPr lang="fr-FR"/>
           </a:p>
@@ -858,7 +863,7 @@
           <a:p>
             <a:fld id="{A3F3EA1E-F417-43FF-B8E8-49A1DF7D9404}" type="datetimeFigureOut">
               <a:rPr lang="fr-FR" smtClean="0"/>
-              <a:t>05/03/2018</a:t>
+              <a:t>11/06/2018</a:t>
             </a:fld>
             <a:endParaRPr lang="fr-FR"/>
           </a:p>
@@ -1133,7 +1138,7 @@
           <a:p>
             <a:fld id="{A3F3EA1E-F417-43FF-B8E8-49A1DF7D9404}" type="datetimeFigureOut">
               <a:rPr lang="fr-FR" smtClean="0"/>
-              <a:t>05/03/2018</a:t>
+              <a:t>11/06/2018</a:t>
             </a:fld>
             <a:endParaRPr lang="fr-FR"/>
           </a:p>
@@ -1398,7 +1403,7 @@
           <a:p>
             <a:fld id="{A3F3EA1E-F417-43FF-B8E8-49A1DF7D9404}" type="datetimeFigureOut">
               <a:rPr lang="fr-FR" smtClean="0"/>
-              <a:t>05/03/2018</a:t>
+              <a:t>11/06/2018</a:t>
             </a:fld>
             <a:endParaRPr lang="fr-FR"/>
           </a:p>
@@ -1810,7 +1815,7 @@
           <a:p>
             <a:fld id="{A3F3EA1E-F417-43FF-B8E8-49A1DF7D9404}" type="datetimeFigureOut">
               <a:rPr lang="fr-FR" smtClean="0"/>
-              <a:t>05/03/2018</a:t>
+              <a:t>11/06/2018</a:t>
             </a:fld>
             <a:endParaRPr lang="fr-FR"/>
           </a:p>
@@ -1951,7 +1956,7 @@
           <a:p>
             <a:fld id="{A3F3EA1E-F417-43FF-B8E8-49A1DF7D9404}" type="datetimeFigureOut">
               <a:rPr lang="fr-FR" smtClean="0"/>
-              <a:t>05/03/2018</a:t>
+              <a:t>11/06/2018</a:t>
             </a:fld>
             <a:endParaRPr lang="fr-FR"/>
           </a:p>
@@ -2064,7 +2069,7 @@
           <a:p>
             <a:fld id="{A3F3EA1E-F417-43FF-B8E8-49A1DF7D9404}" type="datetimeFigureOut">
               <a:rPr lang="fr-FR" smtClean="0"/>
-              <a:t>05/03/2018</a:t>
+              <a:t>11/06/2018</a:t>
             </a:fld>
             <a:endParaRPr lang="fr-FR"/>
           </a:p>
@@ -2375,7 +2380,7 @@
           <a:p>
             <a:fld id="{A3F3EA1E-F417-43FF-B8E8-49A1DF7D9404}" type="datetimeFigureOut">
               <a:rPr lang="fr-FR" smtClean="0"/>
-              <a:t>05/03/2018</a:t>
+              <a:t>11/06/2018</a:t>
             </a:fld>
             <a:endParaRPr lang="fr-FR"/>
           </a:p>
@@ -2663,7 +2668,7 @@
           <a:p>
             <a:fld id="{A3F3EA1E-F417-43FF-B8E8-49A1DF7D9404}" type="datetimeFigureOut">
               <a:rPr lang="fr-FR" smtClean="0"/>
-              <a:t>05/03/2018</a:t>
+              <a:t>11/06/2018</a:t>
             </a:fld>
             <a:endParaRPr lang="fr-FR"/>
           </a:p>
@@ -2904,7 +2909,7 @@
           <a:p>
             <a:fld id="{A3F3EA1E-F417-43FF-B8E8-49A1DF7D9404}" type="datetimeFigureOut">
               <a:rPr lang="fr-FR" smtClean="0"/>
-              <a:t>05/03/2018</a:t>
+              <a:t>11/06/2018</a:t>
             </a:fld>
             <a:endParaRPr lang="fr-FR"/>
           </a:p>
@@ -3323,10 +3328,10 @@
       </p:grpSpPr>
       <p:grpSp>
         <p:nvGrpSpPr>
-          <p:cNvPr id="8" name="Groupe 7">
-            <a:extLst>
-              <a:ext uri="{FF2B5EF4-FFF2-40B4-BE49-F238E27FC236}">
-                <a16:creationId xmlns:a16="http://schemas.microsoft.com/office/drawing/2014/main" id="{22C9DE43-7C01-47CE-B783-0F82332C3A9E}"/>
+          <p:cNvPr id="13" name="Groupe 12">
+            <a:extLst>
+              <a:ext uri="{FF2B5EF4-FFF2-40B4-BE49-F238E27FC236}">
+                <a16:creationId xmlns:a16="http://schemas.microsoft.com/office/drawing/2014/main" id="{827E114A-CA12-4F8A-B0B1-01C82DE7CA85}"/>
               </a:ext>
             </a:extLst>
           </p:cNvPr>
@@ -3335,18 +3340,18 @@
         </p:nvGrpSpPr>
         <p:grpSpPr>
           <a:xfrm>
-            <a:off x="3652325" y="2691619"/>
-            <a:ext cx="2322340" cy="1474762"/>
-            <a:chOff x="604325" y="450166"/>
-            <a:chExt cx="2322340" cy="1474762"/>
+            <a:off x="4152313" y="2361028"/>
+            <a:ext cx="3382047" cy="2255584"/>
+            <a:chOff x="4152313" y="2361028"/>
+            <a:chExt cx="3382047" cy="2255584"/>
           </a:xfrm>
         </p:grpSpPr>
         <p:sp>
           <p:nvSpPr>
-            <p:cNvPr id="4" name="Rectangle : coins arrondis 3">
+            <p:cNvPr id="14" name="Rectangle : coins arrondis 13">
               <a:extLst>
                 <a:ext uri="{FF2B5EF4-FFF2-40B4-BE49-F238E27FC236}">
-                  <a16:creationId xmlns:a16="http://schemas.microsoft.com/office/drawing/2014/main" id="{330462E0-0341-4E18-974F-AECF4B96ACDC}"/>
+                  <a16:creationId xmlns:a16="http://schemas.microsoft.com/office/drawing/2014/main" id="{A723E91F-7EAA-4685-A383-FB2EE03AC664}"/>
                 </a:ext>
               </a:extLst>
             </p:cNvPr>
@@ -3354,8 +3359,8 @@
             <p:nvPr/>
           </p:nvSpPr>
           <p:spPr>
-            <a:xfrm rot="16200000">
-              <a:off x="1434905" y="450166"/>
+            <a:xfrm>
+              <a:off x="4152313" y="2361028"/>
               <a:ext cx="661181" cy="661181"/>
             </a:xfrm>
             <a:prstGeom prst="roundRect">
@@ -3383,21 +3388,18 @@
             <a:p>
               <a:pPr algn="ctr"/>
               <a:r>
-                <a:rPr lang="fr-FR" dirty="0">
-                  <a:latin typeface="FontAwesome" pitchFamily="2" charset="0"/>
-                </a:rPr>
-                <a:t></a:t>
+                <a:rPr lang="fr-FR" sz="2400" dirty="0"/>
+                <a:t>Y</a:t>
               </a:r>
-              <a:endParaRPr lang="fr-FR" dirty="0"/>
             </a:p>
           </p:txBody>
         </p:sp>
         <p:sp>
           <p:nvSpPr>
-            <p:cNvPr id="5" name="Rectangle : coins arrondis 4">
+            <p:cNvPr id="15" name="Rectangle : coins arrondis 14">
               <a:extLst>
                 <a:ext uri="{FF2B5EF4-FFF2-40B4-BE49-F238E27FC236}">
-                  <a16:creationId xmlns:a16="http://schemas.microsoft.com/office/drawing/2014/main" id="{3BCFE4A5-06C3-4CC9-BB3F-399DF8CD6E87}"/>
+                  <a16:creationId xmlns:a16="http://schemas.microsoft.com/office/drawing/2014/main" id="{87914022-CAA4-4EB6-AF3E-6F0BAC854356}"/>
                 </a:ext>
               </a:extLst>
             </p:cNvPr>
@@ -3405,8 +3407,8 @@
             <p:nvPr/>
           </p:nvSpPr>
           <p:spPr>
-            <a:xfrm rot="5400000">
-              <a:off x="1434904" y="1263747"/>
+            <a:xfrm>
+              <a:off x="4424308" y="3158230"/>
               <a:ext cx="661181" cy="661181"/>
             </a:xfrm>
             <a:prstGeom prst="roundRect">
@@ -3434,21 +3436,18 @@
             <a:p>
               <a:pPr algn="ctr"/>
               <a:r>
-                <a:rPr lang="fr-FR" dirty="0">
-                  <a:latin typeface="FontAwesome" pitchFamily="2" charset="0"/>
-                </a:rPr>
-                <a:t></a:t>
+                <a:rPr lang="fr-FR" sz="2400" dirty="0"/>
+                <a:t>H</a:t>
               </a:r>
-              <a:endParaRPr lang="fr-FR" dirty="0"/>
             </a:p>
           </p:txBody>
         </p:sp>
         <p:sp>
           <p:nvSpPr>
-            <p:cNvPr id="6" name="Rectangle : coins arrondis 5">
+            <p:cNvPr id="16" name="Rectangle : coins arrondis 15">
               <a:extLst>
                 <a:ext uri="{FF2B5EF4-FFF2-40B4-BE49-F238E27FC236}">
-                  <a16:creationId xmlns:a16="http://schemas.microsoft.com/office/drawing/2014/main" id="{3FF0D119-B9A3-462C-A1AA-DC02FAD0F4A4}"/>
+                  <a16:creationId xmlns:a16="http://schemas.microsoft.com/office/drawing/2014/main" id="{F2B1F130-F56A-400D-A4E7-3CF423731EEA}"/>
                 </a:ext>
               </a:extLst>
             </p:cNvPr>
@@ -3457,19 +3456,13 @@
           </p:nvSpPr>
           <p:spPr>
             <a:xfrm>
-              <a:off x="2265484" y="1263747"/>
+              <a:off x="4754898" y="3955431"/>
               <a:ext cx="661181" cy="661181"/>
             </a:xfrm>
             <a:prstGeom prst="roundRect">
               <a:avLst/>
             </a:prstGeom>
-            <a:ln w="38100">
-              <a:solidFill>
-                <a:schemeClr val="bg1">
-                  <a:lumMod val="65000"/>
-                </a:schemeClr>
-              </a:solidFill>
-            </a:ln>
+            <a:ln w="38100"/>
           </p:spPr>
           <p:style>
             <a:lnRef idx="2">
@@ -3491,278 +3484,250 @@
             <a:p>
               <a:pPr algn="ctr"/>
               <a:r>
-                <a:rPr lang="fr-FR" dirty="0">
-                  <a:solidFill>
-                    <a:schemeClr val="bg1">
-                      <a:lumMod val="75000"/>
-                    </a:schemeClr>
-                  </a:solidFill>
-                  <a:latin typeface="FontAwesome" pitchFamily="2" charset="0"/>
+                <a:rPr lang="fr-FR" sz="2400" dirty="0"/>
+                <a:t>N</a:t>
+              </a:r>
+            </a:p>
+          </p:txBody>
+        </p:sp>
+        <p:cxnSp>
+          <p:nvCxnSpPr>
+            <p:cNvPr id="17" name="Connecteur droit avec flèche 16">
+              <a:extLst>
+                <a:ext uri="{FF2B5EF4-FFF2-40B4-BE49-F238E27FC236}">
+                  <a16:creationId xmlns:a16="http://schemas.microsoft.com/office/drawing/2014/main" id="{48A8673E-E9F9-4AF3-98F2-2E94E9436B56}"/>
+                </a:ext>
+              </a:extLst>
+            </p:cNvPr>
+            <p:cNvCxnSpPr/>
+            <p:nvPr/>
+          </p:nvCxnSpPr>
+          <p:spPr>
+            <a:xfrm flipH="1">
+              <a:off x="4989520" y="2676939"/>
+              <a:ext cx="853118" cy="0"/>
+            </a:xfrm>
+            <a:prstGeom prst="straightConnector1">
+              <a:avLst/>
+            </a:prstGeom>
+            <a:ln w="28575">
+              <a:solidFill>
+                <a:schemeClr val="tx1"/>
+              </a:solidFill>
+              <a:tailEnd type="triangle"/>
+            </a:ln>
+          </p:spPr>
+          <p:style>
+            <a:lnRef idx="1">
+              <a:schemeClr val="accent1"/>
+            </a:lnRef>
+            <a:fillRef idx="0">
+              <a:schemeClr val="accent1"/>
+            </a:fillRef>
+            <a:effectRef idx="0">
+              <a:schemeClr val="accent1"/>
+            </a:effectRef>
+            <a:fontRef idx="minor">
+              <a:schemeClr val="tx1"/>
+            </a:fontRef>
+          </p:style>
+        </p:cxnSp>
+        <p:cxnSp>
+          <p:nvCxnSpPr>
+            <p:cNvPr id="18" name="Connecteur droit avec flèche 17">
+              <a:extLst>
+                <a:ext uri="{FF2B5EF4-FFF2-40B4-BE49-F238E27FC236}">
+                  <a16:creationId xmlns:a16="http://schemas.microsoft.com/office/drawing/2014/main" id="{4160F5A6-250F-4302-894D-7353DD6ED7D6}"/>
+                </a:ext>
+              </a:extLst>
+            </p:cNvPr>
+            <p:cNvCxnSpPr/>
+            <p:nvPr/>
+          </p:nvCxnSpPr>
+          <p:spPr>
+            <a:xfrm flipH="1">
+              <a:off x="5242882" y="3428999"/>
+              <a:ext cx="853118" cy="0"/>
+            </a:xfrm>
+            <a:prstGeom prst="straightConnector1">
+              <a:avLst/>
+            </a:prstGeom>
+            <a:ln w="28575">
+              <a:solidFill>
+                <a:schemeClr val="tx1"/>
+              </a:solidFill>
+              <a:tailEnd type="triangle"/>
+            </a:ln>
+          </p:spPr>
+          <p:style>
+            <a:lnRef idx="1">
+              <a:schemeClr val="accent1"/>
+            </a:lnRef>
+            <a:fillRef idx="0">
+              <a:schemeClr val="accent1"/>
+            </a:fillRef>
+            <a:effectRef idx="0">
+              <a:schemeClr val="accent1"/>
+            </a:effectRef>
+            <a:fontRef idx="minor">
+              <a:schemeClr val="tx1"/>
+            </a:fontRef>
+          </p:style>
+        </p:cxnSp>
+        <p:cxnSp>
+          <p:nvCxnSpPr>
+            <p:cNvPr id="19" name="Connecteur droit avec flèche 18">
+              <a:extLst>
+                <a:ext uri="{FF2B5EF4-FFF2-40B4-BE49-F238E27FC236}">
+                  <a16:creationId xmlns:a16="http://schemas.microsoft.com/office/drawing/2014/main" id="{7CA01E04-77C0-492B-8D14-3C926080F8FB}"/>
+                </a:ext>
+              </a:extLst>
+            </p:cNvPr>
+            <p:cNvCxnSpPr/>
+            <p:nvPr/>
+          </p:nvCxnSpPr>
+          <p:spPr>
+            <a:xfrm flipH="1">
+              <a:off x="5557793" y="4267200"/>
+              <a:ext cx="853118" cy="0"/>
+            </a:xfrm>
+            <a:prstGeom prst="straightConnector1">
+              <a:avLst/>
+            </a:prstGeom>
+            <a:ln w="28575">
+              <a:solidFill>
+                <a:schemeClr val="tx1"/>
+              </a:solidFill>
+              <a:tailEnd type="triangle"/>
+            </a:ln>
+          </p:spPr>
+          <p:style>
+            <a:lnRef idx="1">
+              <a:schemeClr val="accent1"/>
+            </a:lnRef>
+            <a:fillRef idx="0">
+              <a:schemeClr val="accent1"/>
+            </a:fillRef>
+            <a:effectRef idx="0">
+              <a:schemeClr val="accent1"/>
+            </a:effectRef>
+            <a:fontRef idx="minor">
+              <a:schemeClr val="tx1"/>
+            </a:fontRef>
+          </p:style>
+        </p:cxnSp>
+        <p:sp>
+          <p:nvSpPr>
+            <p:cNvPr id="20" name="ZoneTexte 19">
+              <a:extLst>
+                <a:ext uri="{FF2B5EF4-FFF2-40B4-BE49-F238E27FC236}">
+                  <a16:creationId xmlns:a16="http://schemas.microsoft.com/office/drawing/2014/main" id="{B29F5B81-F0EF-4668-A1B2-D60EB8E20CD4}"/>
+                </a:ext>
+              </a:extLst>
+            </p:cNvPr>
+            <p:cNvSpPr txBox="1"/>
+            <p:nvPr/>
+          </p:nvSpPr>
+          <p:spPr>
+            <a:xfrm>
+              <a:off x="5857463" y="2446106"/>
+              <a:ext cx="1192378" cy="461665"/>
+            </a:xfrm>
+            <a:prstGeom prst="rect">
+              <a:avLst/>
+            </a:prstGeom>
+            <a:noFill/>
+          </p:spPr>
+          <p:txBody>
+            <a:bodyPr wrap="none" rtlCol="0">
+              <a:spAutoFit/>
+            </a:bodyPr>
+            <a:lstStyle/>
+            <a:p>
+              <a:r>
+                <a:rPr lang="fr-FR" sz="2400" dirty="0">
+                  <a:latin typeface="xkcd"/>
                 </a:rPr>
-                <a:t></a:t>
+                <a:t>Avancer</a:t>
               </a:r>
-              <a:endParaRPr lang="fr-FR" dirty="0">
-                <a:solidFill>
-                  <a:schemeClr val="bg1">
-                    <a:lumMod val="75000"/>
-                  </a:schemeClr>
-                </a:solidFill>
-              </a:endParaRPr>
             </a:p>
           </p:txBody>
         </p:sp>
         <p:sp>
           <p:nvSpPr>
-            <p:cNvPr id="7" name="Rectangle : coins arrondis 6">
+            <p:cNvPr id="21" name="ZoneTexte 20">
               <a:extLst>
                 <a:ext uri="{FF2B5EF4-FFF2-40B4-BE49-F238E27FC236}">
-                  <a16:creationId xmlns:a16="http://schemas.microsoft.com/office/drawing/2014/main" id="{663D7F2B-0F88-4E20-B1BF-762BCAB23CEF}"/>
+                  <a16:creationId xmlns:a16="http://schemas.microsoft.com/office/drawing/2014/main" id="{2F66D446-3266-40C3-99FB-9C5612C5C482}"/>
                 </a:ext>
               </a:extLst>
             </p:cNvPr>
-            <p:cNvSpPr/>
+            <p:cNvSpPr txBox="1"/>
             <p:nvPr/>
           </p:nvSpPr>
           <p:spPr>
-            <a:xfrm rot="10800000">
-              <a:off x="604325" y="1263746"/>
-              <a:ext cx="661181" cy="661181"/>
+            <a:xfrm>
+              <a:off x="6096000" y="3198166"/>
+              <a:ext cx="1047082" cy="461665"/>
             </a:xfrm>
-            <a:prstGeom prst="roundRect">
+            <a:prstGeom prst="rect">
               <a:avLst/>
             </a:prstGeom>
-            <a:ln w="38100">
-              <a:solidFill>
-                <a:schemeClr val="bg1">
-                  <a:lumMod val="65000"/>
-                </a:schemeClr>
-              </a:solidFill>
-            </a:ln>
+            <a:noFill/>
           </p:spPr>
-          <p:style>
-            <a:lnRef idx="2">
-              <a:schemeClr val="dk1"/>
-            </a:lnRef>
-            <a:fillRef idx="1">
-              <a:schemeClr val="lt1"/>
-            </a:fillRef>
-            <a:effectRef idx="0">
-              <a:schemeClr val="dk1"/>
-            </a:effectRef>
-            <a:fontRef idx="minor">
-              <a:schemeClr val="dk1"/>
-            </a:fontRef>
-          </p:style>
           <p:txBody>
-            <a:bodyPr rtlCol="0" anchor="ctr"/>
+            <a:bodyPr wrap="none" rtlCol="0">
+              <a:spAutoFit/>
+            </a:bodyPr>
             <a:lstStyle/>
             <a:p>
-              <a:pPr algn="ctr"/>
               <a:r>
-                <a:rPr lang="fr-FR" dirty="0">
-                  <a:solidFill>
-                    <a:schemeClr val="bg1">
-                      <a:lumMod val="75000"/>
-                    </a:schemeClr>
-                  </a:solidFill>
-                  <a:latin typeface="FontAwesome" pitchFamily="2" charset="0"/>
+                <a:rPr lang="fr-FR" sz="2400" dirty="0">
+                  <a:latin typeface="xkcd"/>
                 </a:rPr>
-                <a:t></a:t>
+                <a:t>Départ</a:t>
               </a:r>
-              <a:endParaRPr lang="fr-FR" dirty="0">
-                <a:solidFill>
-                  <a:schemeClr val="bg1">
-                    <a:lumMod val="75000"/>
-                  </a:schemeClr>
-                </a:solidFill>
-              </a:endParaRPr>
+            </a:p>
+          </p:txBody>
+        </p:sp>
+        <p:sp>
+          <p:nvSpPr>
+            <p:cNvPr id="22" name="ZoneTexte 21">
+              <a:extLst>
+                <a:ext uri="{FF2B5EF4-FFF2-40B4-BE49-F238E27FC236}">
+                  <a16:creationId xmlns:a16="http://schemas.microsoft.com/office/drawing/2014/main" id="{7BFC5064-4DC3-4827-85B4-73AED4E6BE96}"/>
+                </a:ext>
+              </a:extLst>
+            </p:cNvPr>
+            <p:cNvSpPr txBox="1"/>
+            <p:nvPr/>
+          </p:nvSpPr>
+          <p:spPr>
+            <a:xfrm>
+              <a:off x="6410911" y="4036367"/>
+              <a:ext cx="1123449" cy="461665"/>
+            </a:xfrm>
+            <a:prstGeom prst="rect">
+              <a:avLst/>
+            </a:prstGeom>
+            <a:noFill/>
+          </p:spPr>
+          <p:txBody>
+            <a:bodyPr wrap="none" rtlCol="0">
+              <a:spAutoFit/>
+            </a:bodyPr>
+            <a:lstStyle/>
+            <a:p>
+              <a:r>
+                <a:rPr lang="fr-FR" sz="2400" dirty="0">
+                  <a:latin typeface="xkcd"/>
+                </a:rPr>
+                <a:t>Reculer</a:t>
+              </a:r>
             </a:p>
           </p:txBody>
         </p:sp>
       </p:grpSp>
-      <p:sp>
-        <p:nvSpPr>
-          <p:cNvPr id="9" name="Arc 8">
-            <a:extLst>
-              <a:ext uri="{FF2B5EF4-FFF2-40B4-BE49-F238E27FC236}">
-                <a16:creationId xmlns:a16="http://schemas.microsoft.com/office/drawing/2014/main" id="{FC18004E-EB79-4645-8288-04B7D4B2A4AD}"/>
-              </a:ext>
-            </a:extLst>
-          </p:cNvPr>
-          <p:cNvSpPr/>
-          <p:nvPr/>
-        </p:nvSpPr>
-        <p:spPr>
-          <a:xfrm rot="16200000">
-            <a:off x="4178300" y="2349500"/>
-            <a:ext cx="4178300" cy="4178300"/>
-          </a:xfrm>
-          <a:prstGeom prst="arc">
-            <a:avLst>
-              <a:gd name="adj1" fmla="val 19710047"/>
-              <a:gd name="adj2" fmla="val 0"/>
-            </a:avLst>
-          </a:prstGeom>
-          <a:ln w="38100">
-            <a:solidFill>
-              <a:schemeClr val="tx1"/>
-            </a:solidFill>
-            <a:headEnd type="stealth"/>
-          </a:ln>
-        </p:spPr>
-        <p:style>
-          <a:lnRef idx="1">
-            <a:schemeClr val="dk1"/>
-          </a:lnRef>
-          <a:fillRef idx="0">
-            <a:schemeClr val="dk1"/>
-          </a:fillRef>
-          <a:effectRef idx="0">
-            <a:schemeClr val="dk1"/>
-          </a:effectRef>
-          <a:fontRef idx="minor">
-            <a:schemeClr val="tx1"/>
-          </a:fontRef>
-        </p:style>
-        <p:txBody>
-          <a:bodyPr rtlCol="0" anchor="ctr"/>
-          <a:lstStyle/>
-          <a:p>
-            <a:pPr algn="ctr"/>
-            <a:endParaRPr lang="fr-FR"/>
-          </a:p>
-        </p:txBody>
-      </p:sp>
-      <p:sp>
-        <p:nvSpPr>
-          <p:cNvPr id="10" name="Arc 9">
-            <a:extLst>
-              <a:ext uri="{FF2B5EF4-FFF2-40B4-BE49-F238E27FC236}">
-                <a16:creationId xmlns:a16="http://schemas.microsoft.com/office/drawing/2014/main" id="{BAF2A08A-27E5-4906-8F28-DF582CE46907}"/>
-              </a:ext>
-            </a:extLst>
-          </p:cNvPr>
-          <p:cNvSpPr/>
-          <p:nvPr/>
-        </p:nvSpPr>
-        <p:spPr>
-          <a:xfrm rot="9900000">
-            <a:off x="4783032" y="1612901"/>
-            <a:ext cx="4178300" cy="4178300"/>
-          </a:xfrm>
-          <a:prstGeom prst="arc">
-            <a:avLst>
-              <a:gd name="adj1" fmla="val 20608367"/>
-              <a:gd name="adj2" fmla="val 0"/>
-            </a:avLst>
-          </a:prstGeom>
-          <a:ln w="38100">
-            <a:solidFill>
-              <a:schemeClr val="tx1"/>
-            </a:solidFill>
-            <a:headEnd type="none"/>
-            <a:tailEnd type="stealth"/>
-          </a:ln>
-        </p:spPr>
-        <p:style>
-          <a:lnRef idx="1">
-            <a:schemeClr val="dk1"/>
-          </a:lnRef>
-          <a:fillRef idx="0">
-            <a:schemeClr val="dk1"/>
-          </a:fillRef>
-          <a:effectRef idx="0">
-            <a:schemeClr val="dk1"/>
-          </a:effectRef>
-          <a:fontRef idx="minor">
-            <a:schemeClr val="tx1"/>
-          </a:fontRef>
-        </p:style>
-        <p:txBody>
-          <a:bodyPr rtlCol="0" anchor="ctr"/>
-          <a:lstStyle/>
-          <a:p>
-            <a:pPr algn="ctr"/>
-            <a:endParaRPr lang="fr-FR"/>
-          </a:p>
-        </p:txBody>
-      </p:sp>
-      <p:sp>
-        <p:nvSpPr>
-          <p:cNvPr id="11" name="ZoneTexte 10">
-            <a:extLst>
-              <a:ext uri="{FF2B5EF4-FFF2-40B4-BE49-F238E27FC236}">
-                <a16:creationId xmlns:a16="http://schemas.microsoft.com/office/drawing/2014/main" id="{4E2EA1C0-D5CA-465B-B343-6C495D118A0A}"/>
-              </a:ext>
-            </a:extLst>
-          </p:cNvPr>
-          <p:cNvSpPr txBox="1"/>
-          <p:nvPr/>
-        </p:nvSpPr>
-        <p:spPr>
-          <a:xfrm rot="400307">
-            <a:off x="6288851" y="2118666"/>
-            <a:ext cx="1638590" cy="461665"/>
-          </a:xfrm>
-          <a:prstGeom prst="rect">
-            <a:avLst/>
-          </a:prstGeom>
-          <a:noFill/>
-        </p:spPr>
-        <p:txBody>
-          <a:bodyPr wrap="none" rtlCol="0">
-            <a:spAutoFit/>
-          </a:bodyPr>
-          <a:lstStyle/>
-          <a:p>
-            <a:r>
-              <a:rPr lang="en-US" sz="2400" dirty="0">
-                <a:latin typeface="xkcd" pitchFamily="50" charset="0"/>
-                <a:ea typeface="Permanent Marker" panose="02000000000000000000" pitchFamily="2" charset="0"/>
-              </a:rPr>
-              <a:t>Approach</a:t>
-            </a:r>
-          </a:p>
-        </p:txBody>
-      </p:sp>
-      <p:sp>
-        <p:nvSpPr>
-          <p:cNvPr id="12" name="ZoneTexte 11">
-            <a:extLst>
-              <a:ext uri="{FF2B5EF4-FFF2-40B4-BE49-F238E27FC236}">
-                <a16:creationId xmlns:a16="http://schemas.microsoft.com/office/drawing/2014/main" id="{8AA6FDE1-8BC6-42BD-B608-8A05B5174B73}"/>
-              </a:ext>
-            </a:extLst>
-          </p:cNvPr>
-          <p:cNvSpPr txBox="1"/>
-          <p:nvPr/>
-        </p:nvSpPr>
-        <p:spPr>
-          <a:xfrm rot="21171928">
-            <a:off x="4693722" y="4748169"/>
-            <a:ext cx="1021433" cy="461665"/>
-          </a:xfrm>
-          <a:prstGeom prst="rect">
-            <a:avLst/>
-          </a:prstGeom>
-          <a:noFill/>
-        </p:spPr>
-        <p:txBody>
-          <a:bodyPr wrap="none" rtlCol="0">
-            <a:spAutoFit/>
-          </a:bodyPr>
-          <a:lstStyle/>
-          <a:p>
-            <a:r>
-              <a:rPr lang="en-US" sz="2400" dirty="0">
-                <a:latin typeface="xkcd" pitchFamily="50" charset="0"/>
-                <a:ea typeface="Permanent Marker" panose="02000000000000000000" pitchFamily="2" charset="0"/>
-              </a:rPr>
-              <a:t>avoid</a:t>
-            </a:r>
-          </a:p>
-        </p:txBody>
-      </p:sp>
     </p:spTree>
     <p:extLst>
       <p:ext uri="{BB962C8B-B14F-4D97-AF65-F5344CB8AC3E}">
